--- a/others/presentation-28082020.pptx
+++ b/others/presentation-28082020.pptx
@@ -140,7 +140,7 @@
           <p:cNvPr id="2" name="Title 1">
             <a:extLst>
               <a:ext uri="{FF2B5EF4-FFF2-40B4-BE49-F238E27FC236}">
-                <a16:creationId xmlns:a16="http://schemas.microsoft.com/office/drawing/2014/main" xmlns="" id="{8405D44B-8097-CA4F-A96D-959F6248C365}"/>
+                <a16:creationId xmlns:a16="http://schemas.microsoft.com/office/drawing/2014/main" id="{8405D44B-8097-CA4F-A96D-959F6248C365}"/>
               </a:ext>
             </a:extLst>
           </p:cNvPr>
@@ -177,7 +177,7 @@
           <p:cNvPr id="3" name="Subtitle 2">
             <a:extLst>
               <a:ext uri="{FF2B5EF4-FFF2-40B4-BE49-F238E27FC236}">
-                <a16:creationId xmlns:a16="http://schemas.microsoft.com/office/drawing/2014/main" xmlns="" id="{1B2779BB-36CB-C744-88C2-D3252352020B}"/>
+                <a16:creationId xmlns:a16="http://schemas.microsoft.com/office/drawing/2014/main" id="{1B2779BB-36CB-C744-88C2-D3252352020B}"/>
               </a:ext>
             </a:extLst>
           </p:cNvPr>
@@ -247,7 +247,7 @@
           <p:cNvPr id="4" name="Date Placeholder 3">
             <a:extLst>
               <a:ext uri="{FF2B5EF4-FFF2-40B4-BE49-F238E27FC236}">
-                <a16:creationId xmlns:a16="http://schemas.microsoft.com/office/drawing/2014/main" xmlns="" id="{68BB7049-9CF5-2D4C-966F-A392F086FB45}"/>
+                <a16:creationId xmlns:a16="http://schemas.microsoft.com/office/drawing/2014/main" id="{68BB7049-9CF5-2D4C-966F-A392F086FB45}"/>
               </a:ext>
             </a:extLst>
           </p:cNvPr>
@@ -265,7 +265,7 @@
           <a:p>
             <a:fld id="{1EA48EFC-04D0-2649-988D-EFFED6BFD7B0}" type="datetimeFigureOut">
               <a:rPr lang="en-US" smtClean="0"/>
-              <a:t>8/28/20</a:t>
+              <a:t>8/31/20</a:t>
             </a:fld>
             <a:endParaRPr lang="en-US"/>
           </a:p>
@@ -276,7 +276,7 @@
           <p:cNvPr id="5" name="Footer Placeholder 4">
             <a:extLst>
               <a:ext uri="{FF2B5EF4-FFF2-40B4-BE49-F238E27FC236}">
-                <a16:creationId xmlns:a16="http://schemas.microsoft.com/office/drawing/2014/main" xmlns="" id="{4CAFD26A-0EF7-DA43-8EC6-5498F47432DD}"/>
+                <a16:creationId xmlns:a16="http://schemas.microsoft.com/office/drawing/2014/main" id="{4CAFD26A-0EF7-DA43-8EC6-5498F47432DD}"/>
               </a:ext>
             </a:extLst>
           </p:cNvPr>
@@ -301,7 +301,7 @@
           <p:cNvPr id="6" name="Slide Number Placeholder 5">
             <a:extLst>
               <a:ext uri="{FF2B5EF4-FFF2-40B4-BE49-F238E27FC236}">
-                <a16:creationId xmlns:a16="http://schemas.microsoft.com/office/drawing/2014/main" xmlns="" id="{2B679144-3526-844B-983A-2C3E0C5ECA79}"/>
+                <a16:creationId xmlns:a16="http://schemas.microsoft.com/office/drawing/2014/main" id="{2B679144-3526-844B-983A-2C3E0C5ECA79}"/>
               </a:ext>
             </a:extLst>
           </p:cNvPr>
@@ -360,7 +360,7 @@
           <p:cNvPr id="2" name="Title 1">
             <a:extLst>
               <a:ext uri="{FF2B5EF4-FFF2-40B4-BE49-F238E27FC236}">
-                <a16:creationId xmlns:a16="http://schemas.microsoft.com/office/drawing/2014/main" xmlns="" id="{BDB83F02-09DB-2144-9869-18F400ADFE8C}"/>
+                <a16:creationId xmlns:a16="http://schemas.microsoft.com/office/drawing/2014/main" id="{BDB83F02-09DB-2144-9869-18F400ADFE8C}"/>
               </a:ext>
             </a:extLst>
           </p:cNvPr>
@@ -388,7 +388,7 @@
           <p:cNvPr id="3" name="Vertical Text Placeholder 2">
             <a:extLst>
               <a:ext uri="{FF2B5EF4-FFF2-40B4-BE49-F238E27FC236}">
-                <a16:creationId xmlns:a16="http://schemas.microsoft.com/office/drawing/2014/main" xmlns="" id="{D7D0AFFF-343C-714F-B42A-E0739C9D97ED}"/>
+                <a16:creationId xmlns:a16="http://schemas.microsoft.com/office/drawing/2014/main" id="{D7D0AFFF-343C-714F-B42A-E0739C9D97ED}"/>
               </a:ext>
             </a:extLst>
           </p:cNvPr>
@@ -445,7 +445,7 @@
           <p:cNvPr id="4" name="Date Placeholder 3">
             <a:extLst>
               <a:ext uri="{FF2B5EF4-FFF2-40B4-BE49-F238E27FC236}">
-                <a16:creationId xmlns:a16="http://schemas.microsoft.com/office/drawing/2014/main" xmlns="" id="{FEBD29EC-B386-D54B-B893-921B2F9FA5D0}"/>
+                <a16:creationId xmlns:a16="http://schemas.microsoft.com/office/drawing/2014/main" id="{FEBD29EC-B386-D54B-B893-921B2F9FA5D0}"/>
               </a:ext>
             </a:extLst>
           </p:cNvPr>
@@ -463,7 +463,7 @@
           <a:p>
             <a:fld id="{1EA48EFC-04D0-2649-988D-EFFED6BFD7B0}" type="datetimeFigureOut">
               <a:rPr lang="en-US" smtClean="0"/>
-              <a:t>8/28/20</a:t>
+              <a:t>8/31/20</a:t>
             </a:fld>
             <a:endParaRPr lang="en-US"/>
           </a:p>
@@ -474,7 +474,7 @@
           <p:cNvPr id="5" name="Footer Placeholder 4">
             <a:extLst>
               <a:ext uri="{FF2B5EF4-FFF2-40B4-BE49-F238E27FC236}">
-                <a16:creationId xmlns:a16="http://schemas.microsoft.com/office/drawing/2014/main" xmlns="" id="{32C31769-D85E-BC4B-9E6F-44A1E837B1AE}"/>
+                <a16:creationId xmlns:a16="http://schemas.microsoft.com/office/drawing/2014/main" id="{32C31769-D85E-BC4B-9E6F-44A1E837B1AE}"/>
               </a:ext>
             </a:extLst>
           </p:cNvPr>
@@ -499,7 +499,7 @@
           <p:cNvPr id="6" name="Slide Number Placeholder 5">
             <a:extLst>
               <a:ext uri="{FF2B5EF4-FFF2-40B4-BE49-F238E27FC236}">
-                <a16:creationId xmlns:a16="http://schemas.microsoft.com/office/drawing/2014/main" xmlns="" id="{824BC2A9-91C4-F040-99EC-879E0E0A376A}"/>
+                <a16:creationId xmlns:a16="http://schemas.microsoft.com/office/drawing/2014/main" id="{824BC2A9-91C4-F040-99EC-879E0E0A376A}"/>
               </a:ext>
             </a:extLst>
           </p:cNvPr>
@@ -558,7 +558,7 @@
           <p:cNvPr id="2" name="Vertical Title 1">
             <a:extLst>
               <a:ext uri="{FF2B5EF4-FFF2-40B4-BE49-F238E27FC236}">
-                <a16:creationId xmlns:a16="http://schemas.microsoft.com/office/drawing/2014/main" xmlns="" id="{DDC171BF-B1B9-BA49-9742-C7B0F11DABC5}"/>
+                <a16:creationId xmlns:a16="http://schemas.microsoft.com/office/drawing/2014/main" id="{DDC171BF-B1B9-BA49-9742-C7B0F11DABC5}"/>
               </a:ext>
             </a:extLst>
           </p:cNvPr>
@@ -591,7 +591,7 @@
           <p:cNvPr id="3" name="Vertical Text Placeholder 2">
             <a:extLst>
               <a:ext uri="{FF2B5EF4-FFF2-40B4-BE49-F238E27FC236}">
-                <a16:creationId xmlns:a16="http://schemas.microsoft.com/office/drawing/2014/main" xmlns="" id="{DCD58BCE-4C54-C947-BF84-A21D503E9FD9}"/>
+                <a16:creationId xmlns:a16="http://schemas.microsoft.com/office/drawing/2014/main" id="{DCD58BCE-4C54-C947-BF84-A21D503E9FD9}"/>
               </a:ext>
             </a:extLst>
           </p:cNvPr>
@@ -653,7 +653,7 @@
           <p:cNvPr id="4" name="Date Placeholder 3">
             <a:extLst>
               <a:ext uri="{FF2B5EF4-FFF2-40B4-BE49-F238E27FC236}">
-                <a16:creationId xmlns:a16="http://schemas.microsoft.com/office/drawing/2014/main" xmlns="" id="{6A5E01D3-429E-0D49-B468-47501E42766C}"/>
+                <a16:creationId xmlns:a16="http://schemas.microsoft.com/office/drawing/2014/main" id="{6A5E01D3-429E-0D49-B468-47501E42766C}"/>
               </a:ext>
             </a:extLst>
           </p:cNvPr>
@@ -671,7 +671,7 @@
           <a:p>
             <a:fld id="{1EA48EFC-04D0-2649-988D-EFFED6BFD7B0}" type="datetimeFigureOut">
               <a:rPr lang="en-US" smtClean="0"/>
-              <a:t>8/28/20</a:t>
+              <a:t>8/31/20</a:t>
             </a:fld>
             <a:endParaRPr lang="en-US"/>
           </a:p>
@@ -682,7 +682,7 @@
           <p:cNvPr id="5" name="Footer Placeholder 4">
             <a:extLst>
               <a:ext uri="{FF2B5EF4-FFF2-40B4-BE49-F238E27FC236}">
-                <a16:creationId xmlns:a16="http://schemas.microsoft.com/office/drawing/2014/main" xmlns="" id="{EE69E6CE-B344-214D-AB93-A357F1C0E697}"/>
+                <a16:creationId xmlns:a16="http://schemas.microsoft.com/office/drawing/2014/main" id="{EE69E6CE-B344-214D-AB93-A357F1C0E697}"/>
               </a:ext>
             </a:extLst>
           </p:cNvPr>
@@ -707,7 +707,7 @@
           <p:cNvPr id="6" name="Slide Number Placeholder 5">
             <a:extLst>
               <a:ext uri="{FF2B5EF4-FFF2-40B4-BE49-F238E27FC236}">
-                <a16:creationId xmlns:a16="http://schemas.microsoft.com/office/drawing/2014/main" xmlns="" id="{ED99F6A1-2977-8B4E-B3D6-202765BFA909}"/>
+                <a16:creationId xmlns:a16="http://schemas.microsoft.com/office/drawing/2014/main" id="{ED99F6A1-2977-8B4E-B3D6-202765BFA909}"/>
               </a:ext>
             </a:extLst>
           </p:cNvPr>
@@ -766,7 +766,7 @@
           <p:cNvPr id="2" name="Title 1">
             <a:extLst>
               <a:ext uri="{FF2B5EF4-FFF2-40B4-BE49-F238E27FC236}">
-                <a16:creationId xmlns:a16="http://schemas.microsoft.com/office/drawing/2014/main" xmlns="" id="{AC8DBC38-01F9-EB46-A88C-F27BD667D616}"/>
+                <a16:creationId xmlns:a16="http://schemas.microsoft.com/office/drawing/2014/main" id="{AC8DBC38-01F9-EB46-A88C-F27BD667D616}"/>
               </a:ext>
             </a:extLst>
           </p:cNvPr>
@@ -794,7 +794,7 @@
           <p:cNvPr id="3" name="Content Placeholder 2">
             <a:extLst>
               <a:ext uri="{FF2B5EF4-FFF2-40B4-BE49-F238E27FC236}">
-                <a16:creationId xmlns:a16="http://schemas.microsoft.com/office/drawing/2014/main" xmlns="" id="{1314BFE2-5E5D-004A-92AA-4E7EE9B19834}"/>
+                <a16:creationId xmlns:a16="http://schemas.microsoft.com/office/drawing/2014/main" id="{1314BFE2-5E5D-004A-92AA-4E7EE9B19834}"/>
               </a:ext>
             </a:extLst>
           </p:cNvPr>
@@ -851,7 +851,7 @@
           <p:cNvPr id="4" name="Date Placeholder 3">
             <a:extLst>
               <a:ext uri="{FF2B5EF4-FFF2-40B4-BE49-F238E27FC236}">
-                <a16:creationId xmlns:a16="http://schemas.microsoft.com/office/drawing/2014/main" xmlns="" id="{EA4BB213-60D1-334F-85E1-69EB4866B16B}"/>
+                <a16:creationId xmlns:a16="http://schemas.microsoft.com/office/drawing/2014/main" id="{EA4BB213-60D1-334F-85E1-69EB4866B16B}"/>
               </a:ext>
             </a:extLst>
           </p:cNvPr>
@@ -869,7 +869,7 @@
           <a:p>
             <a:fld id="{1EA48EFC-04D0-2649-988D-EFFED6BFD7B0}" type="datetimeFigureOut">
               <a:rPr lang="en-US" smtClean="0"/>
-              <a:t>8/28/20</a:t>
+              <a:t>8/31/20</a:t>
             </a:fld>
             <a:endParaRPr lang="en-US"/>
           </a:p>
@@ -880,7 +880,7 @@
           <p:cNvPr id="5" name="Footer Placeholder 4">
             <a:extLst>
               <a:ext uri="{FF2B5EF4-FFF2-40B4-BE49-F238E27FC236}">
-                <a16:creationId xmlns:a16="http://schemas.microsoft.com/office/drawing/2014/main" xmlns="" id="{6E1451C2-AB73-9045-8167-B97F78A4C1E8}"/>
+                <a16:creationId xmlns:a16="http://schemas.microsoft.com/office/drawing/2014/main" id="{6E1451C2-AB73-9045-8167-B97F78A4C1E8}"/>
               </a:ext>
             </a:extLst>
           </p:cNvPr>
@@ -905,7 +905,7 @@
           <p:cNvPr id="6" name="Slide Number Placeholder 5">
             <a:extLst>
               <a:ext uri="{FF2B5EF4-FFF2-40B4-BE49-F238E27FC236}">
-                <a16:creationId xmlns:a16="http://schemas.microsoft.com/office/drawing/2014/main" xmlns="" id="{8F1942CD-B666-9146-9757-B3318868AFA8}"/>
+                <a16:creationId xmlns:a16="http://schemas.microsoft.com/office/drawing/2014/main" id="{8F1942CD-B666-9146-9757-B3318868AFA8}"/>
               </a:ext>
             </a:extLst>
           </p:cNvPr>
@@ -964,7 +964,7 @@
           <p:cNvPr id="2" name="Title 1">
             <a:extLst>
               <a:ext uri="{FF2B5EF4-FFF2-40B4-BE49-F238E27FC236}">
-                <a16:creationId xmlns:a16="http://schemas.microsoft.com/office/drawing/2014/main" xmlns="" id="{A7A42969-09C2-374A-9546-E304AD8765E8}"/>
+                <a16:creationId xmlns:a16="http://schemas.microsoft.com/office/drawing/2014/main" id="{A7A42969-09C2-374A-9546-E304AD8765E8}"/>
               </a:ext>
             </a:extLst>
           </p:cNvPr>
@@ -1001,7 +1001,7 @@
           <p:cNvPr id="3" name="Text Placeholder 2">
             <a:extLst>
               <a:ext uri="{FF2B5EF4-FFF2-40B4-BE49-F238E27FC236}">
-                <a16:creationId xmlns:a16="http://schemas.microsoft.com/office/drawing/2014/main" xmlns="" id="{9F5BBAE7-C46C-1142-9F44-7FF2213A9CC9}"/>
+                <a16:creationId xmlns:a16="http://schemas.microsoft.com/office/drawing/2014/main" id="{9F5BBAE7-C46C-1142-9F44-7FF2213A9CC9}"/>
               </a:ext>
             </a:extLst>
           </p:cNvPr>
@@ -1126,7 +1126,7 @@
           <p:cNvPr id="4" name="Date Placeholder 3">
             <a:extLst>
               <a:ext uri="{FF2B5EF4-FFF2-40B4-BE49-F238E27FC236}">
-                <a16:creationId xmlns:a16="http://schemas.microsoft.com/office/drawing/2014/main" xmlns="" id="{D94E1124-7DDA-924C-A032-4C1D4412470A}"/>
+                <a16:creationId xmlns:a16="http://schemas.microsoft.com/office/drawing/2014/main" id="{D94E1124-7DDA-924C-A032-4C1D4412470A}"/>
               </a:ext>
             </a:extLst>
           </p:cNvPr>
@@ -1144,7 +1144,7 @@
           <a:p>
             <a:fld id="{1EA48EFC-04D0-2649-988D-EFFED6BFD7B0}" type="datetimeFigureOut">
               <a:rPr lang="en-US" smtClean="0"/>
-              <a:t>8/28/20</a:t>
+              <a:t>8/31/20</a:t>
             </a:fld>
             <a:endParaRPr lang="en-US"/>
           </a:p>
@@ -1155,7 +1155,7 @@
           <p:cNvPr id="5" name="Footer Placeholder 4">
             <a:extLst>
               <a:ext uri="{FF2B5EF4-FFF2-40B4-BE49-F238E27FC236}">
-                <a16:creationId xmlns:a16="http://schemas.microsoft.com/office/drawing/2014/main" xmlns="" id="{4FDFE6B9-0285-EE43-BA63-DCAF58C641C8}"/>
+                <a16:creationId xmlns:a16="http://schemas.microsoft.com/office/drawing/2014/main" id="{4FDFE6B9-0285-EE43-BA63-DCAF58C641C8}"/>
               </a:ext>
             </a:extLst>
           </p:cNvPr>
@@ -1180,7 +1180,7 @@
           <p:cNvPr id="6" name="Slide Number Placeholder 5">
             <a:extLst>
               <a:ext uri="{FF2B5EF4-FFF2-40B4-BE49-F238E27FC236}">
-                <a16:creationId xmlns:a16="http://schemas.microsoft.com/office/drawing/2014/main" xmlns="" id="{69501805-A37B-EC45-A3A3-13DD9D56CF78}"/>
+                <a16:creationId xmlns:a16="http://schemas.microsoft.com/office/drawing/2014/main" id="{69501805-A37B-EC45-A3A3-13DD9D56CF78}"/>
               </a:ext>
             </a:extLst>
           </p:cNvPr>
@@ -1239,7 +1239,7 @@
           <p:cNvPr id="2" name="Title 1">
             <a:extLst>
               <a:ext uri="{FF2B5EF4-FFF2-40B4-BE49-F238E27FC236}">
-                <a16:creationId xmlns:a16="http://schemas.microsoft.com/office/drawing/2014/main" xmlns="" id="{A825D31A-A4F5-BB44-946E-66837A54CD60}"/>
+                <a16:creationId xmlns:a16="http://schemas.microsoft.com/office/drawing/2014/main" id="{A825D31A-A4F5-BB44-946E-66837A54CD60}"/>
               </a:ext>
             </a:extLst>
           </p:cNvPr>
@@ -1267,7 +1267,7 @@
           <p:cNvPr id="3" name="Content Placeholder 2">
             <a:extLst>
               <a:ext uri="{FF2B5EF4-FFF2-40B4-BE49-F238E27FC236}">
-                <a16:creationId xmlns:a16="http://schemas.microsoft.com/office/drawing/2014/main" xmlns="" id="{292B6671-39C6-F643-8610-F5C788230537}"/>
+                <a16:creationId xmlns:a16="http://schemas.microsoft.com/office/drawing/2014/main" id="{292B6671-39C6-F643-8610-F5C788230537}"/>
               </a:ext>
             </a:extLst>
           </p:cNvPr>
@@ -1329,7 +1329,7 @@
           <p:cNvPr id="4" name="Content Placeholder 3">
             <a:extLst>
               <a:ext uri="{FF2B5EF4-FFF2-40B4-BE49-F238E27FC236}">
-                <a16:creationId xmlns:a16="http://schemas.microsoft.com/office/drawing/2014/main" xmlns="" id="{368A18F1-6B68-E04B-A0D1-06A140860433}"/>
+                <a16:creationId xmlns:a16="http://schemas.microsoft.com/office/drawing/2014/main" id="{368A18F1-6B68-E04B-A0D1-06A140860433}"/>
               </a:ext>
             </a:extLst>
           </p:cNvPr>
@@ -1391,7 +1391,7 @@
           <p:cNvPr id="5" name="Date Placeholder 4">
             <a:extLst>
               <a:ext uri="{FF2B5EF4-FFF2-40B4-BE49-F238E27FC236}">
-                <a16:creationId xmlns:a16="http://schemas.microsoft.com/office/drawing/2014/main" xmlns="" id="{27C9CF59-B33D-F049-88E9-F20F0A114DB8}"/>
+                <a16:creationId xmlns:a16="http://schemas.microsoft.com/office/drawing/2014/main" id="{27C9CF59-B33D-F049-88E9-F20F0A114DB8}"/>
               </a:ext>
             </a:extLst>
           </p:cNvPr>
@@ -1409,7 +1409,7 @@
           <a:p>
             <a:fld id="{1EA48EFC-04D0-2649-988D-EFFED6BFD7B0}" type="datetimeFigureOut">
               <a:rPr lang="en-US" smtClean="0"/>
-              <a:t>8/28/20</a:t>
+              <a:t>8/31/20</a:t>
             </a:fld>
             <a:endParaRPr lang="en-US"/>
           </a:p>
@@ -1420,7 +1420,7 @@
           <p:cNvPr id="6" name="Footer Placeholder 5">
             <a:extLst>
               <a:ext uri="{FF2B5EF4-FFF2-40B4-BE49-F238E27FC236}">
-                <a16:creationId xmlns:a16="http://schemas.microsoft.com/office/drawing/2014/main" xmlns="" id="{A2E74CB7-E8DF-FD45-A801-5BED2236CEA2}"/>
+                <a16:creationId xmlns:a16="http://schemas.microsoft.com/office/drawing/2014/main" id="{A2E74CB7-E8DF-FD45-A801-5BED2236CEA2}"/>
               </a:ext>
             </a:extLst>
           </p:cNvPr>
@@ -1445,7 +1445,7 @@
           <p:cNvPr id="7" name="Slide Number Placeholder 6">
             <a:extLst>
               <a:ext uri="{FF2B5EF4-FFF2-40B4-BE49-F238E27FC236}">
-                <a16:creationId xmlns:a16="http://schemas.microsoft.com/office/drawing/2014/main" xmlns="" id="{6AA3EFE9-8107-FB4B-84F2-A01FEA70B482}"/>
+                <a16:creationId xmlns:a16="http://schemas.microsoft.com/office/drawing/2014/main" id="{6AA3EFE9-8107-FB4B-84F2-A01FEA70B482}"/>
               </a:ext>
             </a:extLst>
           </p:cNvPr>
@@ -1504,7 +1504,7 @@
           <p:cNvPr id="2" name="Title 1">
             <a:extLst>
               <a:ext uri="{FF2B5EF4-FFF2-40B4-BE49-F238E27FC236}">
-                <a16:creationId xmlns:a16="http://schemas.microsoft.com/office/drawing/2014/main" xmlns="" id="{41077E63-27F0-3643-A9AD-B7371EEA6B01}"/>
+                <a16:creationId xmlns:a16="http://schemas.microsoft.com/office/drawing/2014/main" id="{41077E63-27F0-3643-A9AD-B7371EEA6B01}"/>
               </a:ext>
             </a:extLst>
           </p:cNvPr>
@@ -1537,7 +1537,7 @@
           <p:cNvPr id="3" name="Text Placeholder 2">
             <a:extLst>
               <a:ext uri="{FF2B5EF4-FFF2-40B4-BE49-F238E27FC236}">
-                <a16:creationId xmlns:a16="http://schemas.microsoft.com/office/drawing/2014/main" xmlns="" id="{F62FDAE7-4BE1-D24C-AAAC-021FF71229DC}"/>
+                <a16:creationId xmlns:a16="http://schemas.microsoft.com/office/drawing/2014/main" id="{F62FDAE7-4BE1-D24C-AAAC-021FF71229DC}"/>
               </a:ext>
             </a:extLst>
           </p:cNvPr>
@@ -1608,7 +1608,7 @@
           <p:cNvPr id="4" name="Content Placeholder 3">
             <a:extLst>
               <a:ext uri="{FF2B5EF4-FFF2-40B4-BE49-F238E27FC236}">
-                <a16:creationId xmlns:a16="http://schemas.microsoft.com/office/drawing/2014/main" xmlns="" id="{0B9E2424-07FC-9F4D-8417-F39BF2AA8376}"/>
+                <a16:creationId xmlns:a16="http://schemas.microsoft.com/office/drawing/2014/main" id="{0B9E2424-07FC-9F4D-8417-F39BF2AA8376}"/>
               </a:ext>
             </a:extLst>
           </p:cNvPr>
@@ -1670,7 +1670,7 @@
           <p:cNvPr id="5" name="Text Placeholder 4">
             <a:extLst>
               <a:ext uri="{FF2B5EF4-FFF2-40B4-BE49-F238E27FC236}">
-                <a16:creationId xmlns:a16="http://schemas.microsoft.com/office/drawing/2014/main" xmlns="" id="{DB9A9FAD-9862-9C45-AD0C-A96C08E1E537}"/>
+                <a16:creationId xmlns:a16="http://schemas.microsoft.com/office/drawing/2014/main" id="{DB9A9FAD-9862-9C45-AD0C-A96C08E1E537}"/>
               </a:ext>
             </a:extLst>
           </p:cNvPr>
@@ -1741,7 +1741,7 @@
           <p:cNvPr id="6" name="Content Placeholder 5">
             <a:extLst>
               <a:ext uri="{FF2B5EF4-FFF2-40B4-BE49-F238E27FC236}">
-                <a16:creationId xmlns:a16="http://schemas.microsoft.com/office/drawing/2014/main" xmlns="" id="{8A3260A9-D8E7-684D-B3FF-D4431C43DFAC}"/>
+                <a16:creationId xmlns:a16="http://schemas.microsoft.com/office/drawing/2014/main" id="{8A3260A9-D8E7-684D-B3FF-D4431C43DFAC}"/>
               </a:ext>
             </a:extLst>
           </p:cNvPr>
@@ -1803,7 +1803,7 @@
           <p:cNvPr id="7" name="Date Placeholder 6">
             <a:extLst>
               <a:ext uri="{FF2B5EF4-FFF2-40B4-BE49-F238E27FC236}">
-                <a16:creationId xmlns:a16="http://schemas.microsoft.com/office/drawing/2014/main" xmlns="" id="{0E27D9FC-B36E-174A-872D-D75EE05842FF}"/>
+                <a16:creationId xmlns:a16="http://schemas.microsoft.com/office/drawing/2014/main" id="{0E27D9FC-B36E-174A-872D-D75EE05842FF}"/>
               </a:ext>
             </a:extLst>
           </p:cNvPr>
@@ -1821,7 +1821,7 @@
           <a:p>
             <a:fld id="{1EA48EFC-04D0-2649-988D-EFFED6BFD7B0}" type="datetimeFigureOut">
               <a:rPr lang="en-US" smtClean="0"/>
-              <a:t>8/28/20</a:t>
+              <a:t>8/31/20</a:t>
             </a:fld>
             <a:endParaRPr lang="en-US"/>
           </a:p>
@@ -1832,7 +1832,7 @@
           <p:cNvPr id="8" name="Footer Placeholder 7">
             <a:extLst>
               <a:ext uri="{FF2B5EF4-FFF2-40B4-BE49-F238E27FC236}">
-                <a16:creationId xmlns:a16="http://schemas.microsoft.com/office/drawing/2014/main" xmlns="" id="{32C3B83B-FEC3-224E-8308-D6015BB12360}"/>
+                <a16:creationId xmlns:a16="http://schemas.microsoft.com/office/drawing/2014/main" id="{32C3B83B-FEC3-224E-8308-D6015BB12360}"/>
               </a:ext>
             </a:extLst>
           </p:cNvPr>
@@ -1857,7 +1857,7 @@
           <p:cNvPr id="9" name="Slide Number Placeholder 8">
             <a:extLst>
               <a:ext uri="{FF2B5EF4-FFF2-40B4-BE49-F238E27FC236}">
-                <a16:creationId xmlns:a16="http://schemas.microsoft.com/office/drawing/2014/main" xmlns="" id="{FC265DF7-CAA7-134B-8B2E-4870CB17669E}"/>
+                <a16:creationId xmlns:a16="http://schemas.microsoft.com/office/drawing/2014/main" id="{FC265DF7-CAA7-134B-8B2E-4870CB17669E}"/>
               </a:ext>
             </a:extLst>
           </p:cNvPr>
@@ -1916,7 +1916,7 @@
           <p:cNvPr id="2" name="Title 1">
             <a:extLst>
               <a:ext uri="{FF2B5EF4-FFF2-40B4-BE49-F238E27FC236}">
-                <a16:creationId xmlns:a16="http://schemas.microsoft.com/office/drawing/2014/main" xmlns="" id="{BBD19F6B-08F4-2F46-BD13-3F21C54790B0}"/>
+                <a16:creationId xmlns:a16="http://schemas.microsoft.com/office/drawing/2014/main" id="{BBD19F6B-08F4-2F46-BD13-3F21C54790B0}"/>
               </a:ext>
             </a:extLst>
           </p:cNvPr>
@@ -1944,7 +1944,7 @@
           <p:cNvPr id="3" name="Date Placeholder 2">
             <a:extLst>
               <a:ext uri="{FF2B5EF4-FFF2-40B4-BE49-F238E27FC236}">
-                <a16:creationId xmlns:a16="http://schemas.microsoft.com/office/drawing/2014/main" xmlns="" id="{2497EE32-1F1C-C545-985F-BA4D029B0B1F}"/>
+                <a16:creationId xmlns:a16="http://schemas.microsoft.com/office/drawing/2014/main" id="{2497EE32-1F1C-C545-985F-BA4D029B0B1F}"/>
               </a:ext>
             </a:extLst>
           </p:cNvPr>
@@ -1962,7 +1962,7 @@
           <a:p>
             <a:fld id="{1EA48EFC-04D0-2649-988D-EFFED6BFD7B0}" type="datetimeFigureOut">
               <a:rPr lang="en-US" smtClean="0"/>
-              <a:t>8/28/20</a:t>
+              <a:t>8/31/20</a:t>
             </a:fld>
             <a:endParaRPr lang="en-US"/>
           </a:p>
@@ -1973,7 +1973,7 @@
           <p:cNvPr id="4" name="Footer Placeholder 3">
             <a:extLst>
               <a:ext uri="{FF2B5EF4-FFF2-40B4-BE49-F238E27FC236}">
-                <a16:creationId xmlns:a16="http://schemas.microsoft.com/office/drawing/2014/main" xmlns="" id="{2C528FAF-4F70-D140-960D-8A2136460E95}"/>
+                <a16:creationId xmlns:a16="http://schemas.microsoft.com/office/drawing/2014/main" id="{2C528FAF-4F70-D140-960D-8A2136460E95}"/>
               </a:ext>
             </a:extLst>
           </p:cNvPr>
@@ -1998,7 +1998,7 @@
           <p:cNvPr id="5" name="Slide Number Placeholder 4">
             <a:extLst>
               <a:ext uri="{FF2B5EF4-FFF2-40B4-BE49-F238E27FC236}">
-                <a16:creationId xmlns:a16="http://schemas.microsoft.com/office/drawing/2014/main" xmlns="" id="{69F082E6-3D07-E840-8B2C-F9AC78BC09C6}"/>
+                <a16:creationId xmlns:a16="http://schemas.microsoft.com/office/drawing/2014/main" id="{69F082E6-3D07-E840-8B2C-F9AC78BC09C6}"/>
               </a:ext>
             </a:extLst>
           </p:cNvPr>
@@ -2057,7 +2057,7 @@
           <p:cNvPr id="2" name="Date Placeholder 1">
             <a:extLst>
               <a:ext uri="{FF2B5EF4-FFF2-40B4-BE49-F238E27FC236}">
-                <a16:creationId xmlns:a16="http://schemas.microsoft.com/office/drawing/2014/main" xmlns="" id="{E9A17612-CE38-5245-B3AD-FAECB234E075}"/>
+                <a16:creationId xmlns:a16="http://schemas.microsoft.com/office/drawing/2014/main" id="{E9A17612-CE38-5245-B3AD-FAECB234E075}"/>
               </a:ext>
             </a:extLst>
           </p:cNvPr>
@@ -2075,7 +2075,7 @@
           <a:p>
             <a:fld id="{1EA48EFC-04D0-2649-988D-EFFED6BFD7B0}" type="datetimeFigureOut">
               <a:rPr lang="en-US" smtClean="0"/>
-              <a:t>8/28/20</a:t>
+              <a:t>8/31/20</a:t>
             </a:fld>
             <a:endParaRPr lang="en-US"/>
           </a:p>
@@ -2086,7 +2086,7 @@
           <p:cNvPr id="3" name="Footer Placeholder 2">
             <a:extLst>
               <a:ext uri="{FF2B5EF4-FFF2-40B4-BE49-F238E27FC236}">
-                <a16:creationId xmlns:a16="http://schemas.microsoft.com/office/drawing/2014/main" xmlns="" id="{1E46C882-0069-604B-BAAC-AB1C8F4398FB}"/>
+                <a16:creationId xmlns:a16="http://schemas.microsoft.com/office/drawing/2014/main" id="{1E46C882-0069-604B-BAAC-AB1C8F4398FB}"/>
               </a:ext>
             </a:extLst>
           </p:cNvPr>
@@ -2111,7 +2111,7 @@
           <p:cNvPr id="4" name="Slide Number Placeholder 3">
             <a:extLst>
               <a:ext uri="{FF2B5EF4-FFF2-40B4-BE49-F238E27FC236}">
-                <a16:creationId xmlns:a16="http://schemas.microsoft.com/office/drawing/2014/main" xmlns="" id="{09DA9982-F78F-7C4C-B086-980B4504F5D3}"/>
+                <a16:creationId xmlns:a16="http://schemas.microsoft.com/office/drawing/2014/main" id="{09DA9982-F78F-7C4C-B086-980B4504F5D3}"/>
               </a:ext>
             </a:extLst>
           </p:cNvPr>
@@ -2170,7 +2170,7 @@
           <p:cNvPr id="2" name="Title 1">
             <a:extLst>
               <a:ext uri="{FF2B5EF4-FFF2-40B4-BE49-F238E27FC236}">
-                <a16:creationId xmlns:a16="http://schemas.microsoft.com/office/drawing/2014/main" xmlns="" id="{348F7EA7-3BED-CB4A-8B98-4C07DA9E7E49}"/>
+                <a16:creationId xmlns:a16="http://schemas.microsoft.com/office/drawing/2014/main" id="{348F7EA7-3BED-CB4A-8B98-4C07DA9E7E49}"/>
               </a:ext>
             </a:extLst>
           </p:cNvPr>
@@ -2207,7 +2207,7 @@
           <p:cNvPr id="3" name="Content Placeholder 2">
             <a:extLst>
               <a:ext uri="{FF2B5EF4-FFF2-40B4-BE49-F238E27FC236}">
-                <a16:creationId xmlns:a16="http://schemas.microsoft.com/office/drawing/2014/main" xmlns="" id="{6146B915-B488-7042-ADA0-FD508EE7BF5B}"/>
+                <a16:creationId xmlns:a16="http://schemas.microsoft.com/office/drawing/2014/main" id="{6146B915-B488-7042-ADA0-FD508EE7BF5B}"/>
               </a:ext>
             </a:extLst>
           </p:cNvPr>
@@ -2297,7 +2297,7 @@
           <p:cNvPr id="4" name="Text Placeholder 3">
             <a:extLst>
               <a:ext uri="{FF2B5EF4-FFF2-40B4-BE49-F238E27FC236}">
-                <a16:creationId xmlns:a16="http://schemas.microsoft.com/office/drawing/2014/main" xmlns="" id="{A1D5D39B-854A-8A4D-868D-421F5D6FE46A}"/>
+                <a16:creationId xmlns:a16="http://schemas.microsoft.com/office/drawing/2014/main" id="{A1D5D39B-854A-8A4D-868D-421F5D6FE46A}"/>
               </a:ext>
             </a:extLst>
           </p:cNvPr>
@@ -2368,7 +2368,7 @@
           <p:cNvPr id="5" name="Date Placeholder 4">
             <a:extLst>
               <a:ext uri="{FF2B5EF4-FFF2-40B4-BE49-F238E27FC236}">
-                <a16:creationId xmlns:a16="http://schemas.microsoft.com/office/drawing/2014/main" xmlns="" id="{29B811F9-810B-9C40-9D6F-3916C802B4B0}"/>
+                <a16:creationId xmlns:a16="http://schemas.microsoft.com/office/drawing/2014/main" id="{29B811F9-810B-9C40-9D6F-3916C802B4B0}"/>
               </a:ext>
             </a:extLst>
           </p:cNvPr>
@@ -2386,7 +2386,7 @@
           <a:p>
             <a:fld id="{1EA48EFC-04D0-2649-988D-EFFED6BFD7B0}" type="datetimeFigureOut">
               <a:rPr lang="en-US" smtClean="0"/>
-              <a:t>8/28/20</a:t>
+              <a:t>8/31/20</a:t>
             </a:fld>
             <a:endParaRPr lang="en-US"/>
           </a:p>
@@ -2397,7 +2397,7 @@
           <p:cNvPr id="6" name="Footer Placeholder 5">
             <a:extLst>
               <a:ext uri="{FF2B5EF4-FFF2-40B4-BE49-F238E27FC236}">
-                <a16:creationId xmlns:a16="http://schemas.microsoft.com/office/drawing/2014/main" xmlns="" id="{CFCC86F3-B6A7-2640-83F6-44EA229384DC}"/>
+                <a16:creationId xmlns:a16="http://schemas.microsoft.com/office/drawing/2014/main" id="{CFCC86F3-B6A7-2640-83F6-44EA229384DC}"/>
               </a:ext>
             </a:extLst>
           </p:cNvPr>
@@ -2422,7 +2422,7 @@
           <p:cNvPr id="7" name="Slide Number Placeholder 6">
             <a:extLst>
               <a:ext uri="{FF2B5EF4-FFF2-40B4-BE49-F238E27FC236}">
-                <a16:creationId xmlns:a16="http://schemas.microsoft.com/office/drawing/2014/main" xmlns="" id="{FCF6D814-B003-6E4D-BE3E-71A77E383D8E}"/>
+                <a16:creationId xmlns:a16="http://schemas.microsoft.com/office/drawing/2014/main" id="{FCF6D814-B003-6E4D-BE3E-71A77E383D8E}"/>
               </a:ext>
             </a:extLst>
           </p:cNvPr>
@@ -2481,7 +2481,7 @@
           <p:cNvPr id="2" name="Title 1">
             <a:extLst>
               <a:ext uri="{FF2B5EF4-FFF2-40B4-BE49-F238E27FC236}">
-                <a16:creationId xmlns:a16="http://schemas.microsoft.com/office/drawing/2014/main" xmlns="" id="{5D73F43E-9CEF-1C4E-A17D-8C64E48716F8}"/>
+                <a16:creationId xmlns:a16="http://schemas.microsoft.com/office/drawing/2014/main" id="{5D73F43E-9CEF-1C4E-A17D-8C64E48716F8}"/>
               </a:ext>
             </a:extLst>
           </p:cNvPr>
@@ -2518,7 +2518,7 @@
           <p:cNvPr id="3" name="Picture Placeholder 2">
             <a:extLst>
               <a:ext uri="{FF2B5EF4-FFF2-40B4-BE49-F238E27FC236}">
-                <a16:creationId xmlns:a16="http://schemas.microsoft.com/office/drawing/2014/main" xmlns="" id="{66260E9C-69CC-1A42-BF7E-34189E3E7DEB}"/>
+                <a16:creationId xmlns:a16="http://schemas.microsoft.com/office/drawing/2014/main" id="{66260E9C-69CC-1A42-BF7E-34189E3E7DEB}"/>
               </a:ext>
             </a:extLst>
           </p:cNvPr>
@@ -2585,7 +2585,7 @@
           <p:cNvPr id="4" name="Text Placeholder 3">
             <a:extLst>
               <a:ext uri="{FF2B5EF4-FFF2-40B4-BE49-F238E27FC236}">
-                <a16:creationId xmlns:a16="http://schemas.microsoft.com/office/drawing/2014/main" xmlns="" id="{01ED99D4-20EB-CD4F-8E3B-7AF763F41BA3}"/>
+                <a16:creationId xmlns:a16="http://schemas.microsoft.com/office/drawing/2014/main" id="{01ED99D4-20EB-CD4F-8E3B-7AF763F41BA3}"/>
               </a:ext>
             </a:extLst>
           </p:cNvPr>
@@ -2656,7 +2656,7 @@
           <p:cNvPr id="5" name="Date Placeholder 4">
             <a:extLst>
               <a:ext uri="{FF2B5EF4-FFF2-40B4-BE49-F238E27FC236}">
-                <a16:creationId xmlns:a16="http://schemas.microsoft.com/office/drawing/2014/main" xmlns="" id="{EDF9729D-D755-C843-A4DA-5785F2961288}"/>
+                <a16:creationId xmlns:a16="http://schemas.microsoft.com/office/drawing/2014/main" id="{EDF9729D-D755-C843-A4DA-5785F2961288}"/>
               </a:ext>
             </a:extLst>
           </p:cNvPr>
@@ -2674,7 +2674,7 @@
           <a:p>
             <a:fld id="{1EA48EFC-04D0-2649-988D-EFFED6BFD7B0}" type="datetimeFigureOut">
               <a:rPr lang="en-US" smtClean="0"/>
-              <a:t>8/28/20</a:t>
+              <a:t>8/31/20</a:t>
             </a:fld>
             <a:endParaRPr lang="en-US"/>
           </a:p>
@@ -2685,7 +2685,7 @@
           <p:cNvPr id="6" name="Footer Placeholder 5">
             <a:extLst>
               <a:ext uri="{FF2B5EF4-FFF2-40B4-BE49-F238E27FC236}">
-                <a16:creationId xmlns:a16="http://schemas.microsoft.com/office/drawing/2014/main" xmlns="" id="{D34968B2-9AEE-8543-898B-729E026ED5DB}"/>
+                <a16:creationId xmlns:a16="http://schemas.microsoft.com/office/drawing/2014/main" id="{D34968B2-9AEE-8543-898B-729E026ED5DB}"/>
               </a:ext>
             </a:extLst>
           </p:cNvPr>
@@ -2710,7 +2710,7 @@
           <p:cNvPr id="7" name="Slide Number Placeholder 6">
             <a:extLst>
               <a:ext uri="{FF2B5EF4-FFF2-40B4-BE49-F238E27FC236}">
-                <a16:creationId xmlns:a16="http://schemas.microsoft.com/office/drawing/2014/main" xmlns="" id="{78C67126-B5EF-D044-8787-E22F4F938892}"/>
+                <a16:creationId xmlns:a16="http://schemas.microsoft.com/office/drawing/2014/main" id="{78C67126-B5EF-D044-8787-E22F4F938892}"/>
               </a:ext>
             </a:extLst>
           </p:cNvPr>
@@ -2774,7 +2774,7 @@
           <p:cNvPr id="2" name="Title Placeholder 1">
             <a:extLst>
               <a:ext uri="{FF2B5EF4-FFF2-40B4-BE49-F238E27FC236}">
-                <a16:creationId xmlns:a16="http://schemas.microsoft.com/office/drawing/2014/main" xmlns="" id="{454AC2F9-34AF-D74F-9A7D-9E6DE725DB16}"/>
+                <a16:creationId xmlns:a16="http://schemas.microsoft.com/office/drawing/2014/main" id="{454AC2F9-34AF-D74F-9A7D-9E6DE725DB16}"/>
               </a:ext>
             </a:extLst>
           </p:cNvPr>
@@ -2812,7 +2812,7 @@
           <p:cNvPr id="3" name="Text Placeholder 2">
             <a:extLst>
               <a:ext uri="{FF2B5EF4-FFF2-40B4-BE49-F238E27FC236}">
-                <a16:creationId xmlns:a16="http://schemas.microsoft.com/office/drawing/2014/main" xmlns="" id="{18990496-33D7-D949-88A7-554B7F592159}"/>
+                <a16:creationId xmlns:a16="http://schemas.microsoft.com/office/drawing/2014/main" id="{18990496-33D7-D949-88A7-554B7F592159}"/>
               </a:ext>
             </a:extLst>
           </p:cNvPr>
@@ -2879,7 +2879,7 @@
           <p:cNvPr id="4" name="Date Placeholder 3">
             <a:extLst>
               <a:ext uri="{FF2B5EF4-FFF2-40B4-BE49-F238E27FC236}">
-                <a16:creationId xmlns:a16="http://schemas.microsoft.com/office/drawing/2014/main" xmlns="" id="{BF70D0D8-2A62-FF43-81FA-BE769DF975CC}"/>
+                <a16:creationId xmlns:a16="http://schemas.microsoft.com/office/drawing/2014/main" id="{BF70D0D8-2A62-FF43-81FA-BE769DF975CC}"/>
               </a:ext>
             </a:extLst>
           </p:cNvPr>
@@ -2915,7 +2915,7 @@
           <a:p>
             <a:fld id="{1EA48EFC-04D0-2649-988D-EFFED6BFD7B0}" type="datetimeFigureOut">
               <a:rPr lang="en-US" smtClean="0"/>
-              <a:t>8/28/20</a:t>
+              <a:t>8/31/20</a:t>
             </a:fld>
             <a:endParaRPr lang="en-US"/>
           </a:p>
@@ -2926,7 +2926,7 @@
           <p:cNvPr id="5" name="Footer Placeholder 4">
             <a:extLst>
               <a:ext uri="{FF2B5EF4-FFF2-40B4-BE49-F238E27FC236}">
-                <a16:creationId xmlns:a16="http://schemas.microsoft.com/office/drawing/2014/main" xmlns="" id="{59A9566C-AB1E-2046-88D6-740D6AD7D72F}"/>
+                <a16:creationId xmlns:a16="http://schemas.microsoft.com/office/drawing/2014/main" id="{59A9566C-AB1E-2046-88D6-740D6AD7D72F}"/>
               </a:ext>
             </a:extLst>
           </p:cNvPr>
@@ -2969,7 +2969,7 @@
           <p:cNvPr id="6" name="Slide Number Placeholder 5">
             <a:extLst>
               <a:ext uri="{FF2B5EF4-FFF2-40B4-BE49-F238E27FC236}">
-                <a16:creationId xmlns:a16="http://schemas.microsoft.com/office/drawing/2014/main" xmlns="" id="{1D6BB3A8-1A06-FC45-A94E-992824AA279D}"/>
+                <a16:creationId xmlns:a16="http://schemas.microsoft.com/office/drawing/2014/main" id="{1D6BB3A8-1A06-FC45-A94E-992824AA279D}"/>
               </a:ext>
             </a:extLst>
           </p:cNvPr>
@@ -3345,10 +3345,10 @@
           <p:cNvPr id="8" name="Rectangle 6">
             <a:extLst>
               <a:ext uri="{FF2B5EF4-FFF2-40B4-BE49-F238E27FC236}">
-                <a16:creationId xmlns:a16="http://schemas.microsoft.com/office/drawing/2014/main" xmlns="" id="{23962611-DFD5-4092-AAFD-559E3DFCE2C9}"/>
+                <a16:creationId xmlns:a16="http://schemas.microsoft.com/office/drawing/2014/main" id="{23962611-DFD5-4092-AAFD-559E3DFCE2C9}"/>
               </a:ext>
               <a:ext uri="{C183D7F6-B498-43B3-948B-1728B52AA6E4}">
-                <adec:decorative xmlns:adec="http://schemas.microsoft.com/office/drawing/2017/decorative" xmlns="" val="1"/>
+                <adec:decorative xmlns:adec="http://schemas.microsoft.com/office/drawing/2017/decorative" val="1"/>
               </a:ext>
             </a:extLst>
           </p:cNvPr>
@@ -3430,10 +3430,10 @@
           <p:cNvPr id="10" name="Picture 8">
             <a:extLst>
               <a:ext uri="{FF2B5EF4-FFF2-40B4-BE49-F238E27FC236}">
-                <a16:creationId xmlns:a16="http://schemas.microsoft.com/office/drawing/2014/main" xmlns="" id="{2270F1FA-0425-408F-9861-80BF5AFB276D}"/>
+                <a16:creationId xmlns:a16="http://schemas.microsoft.com/office/drawing/2014/main" id="{2270F1FA-0425-408F-9861-80BF5AFB276D}"/>
               </a:ext>
               <a:ext uri="{C183D7F6-B498-43B3-948B-1728B52AA6E4}">
-                <adec:decorative xmlns:adec="http://schemas.microsoft.com/office/drawing/2017/decorative" xmlns="" val="1"/>
+                <adec:decorative xmlns:adec="http://schemas.microsoft.com/office/drawing/2017/decorative" val="1"/>
               </a:ext>
             </a:extLst>
           </p:cNvPr>
@@ -3475,7 +3475,7 @@
           <p:cNvPr id="2" name="Title 1">
             <a:extLst>
               <a:ext uri="{FF2B5EF4-FFF2-40B4-BE49-F238E27FC236}">
-                <a16:creationId xmlns:a16="http://schemas.microsoft.com/office/drawing/2014/main" xmlns="" id="{30084107-0B6E-9442-B2C2-0597F11951F8}"/>
+                <a16:creationId xmlns:a16="http://schemas.microsoft.com/office/drawing/2014/main" id="{30084107-0B6E-9442-B2C2-0597F11951F8}"/>
               </a:ext>
             </a:extLst>
           </p:cNvPr>
@@ -3519,13 +3519,6 @@
   <p:clrMapOvr>
     <a:masterClrMapping/>
   </p:clrMapOvr>
-  <p:timing>
-    <p:tnLst>
-      <p:par>
-        <p:cTn id="1" dur="indefinite" restart="never" nodeType="tmRoot"/>
-      </p:par>
-    </p:tnLst>
-  </p:timing>
 </p:sld>
 </file>
 
@@ -3559,7 +3552,7 @@
           <p:cNvPr id="2" name="Title 1">
             <a:extLst>
               <a:ext uri="{FF2B5EF4-FFF2-40B4-BE49-F238E27FC236}">
-                <a16:creationId xmlns:a16="http://schemas.microsoft.com/office/drawing/2014/main" xmlns="" id="{31773150-769A-BC44-9630-582889EA4F9C}"/>
+                <a16:creationId xmlns:a16="http://schemas.microsoft.com/office/drawing/2014/main" id="{31773150-769A-BC44-9630-582889EA4F9C}"/>
               </a:ext>
             </a:extLst>
           </p:cNvPr>
@@ -3594,10 +3587,10 @@
           <p:cNvPr id="8" name="Freeform: Shape 7">
             <a:extLst>
               <a:ext uri="{FF2B5EF4-FFF2-40B4-BE49-F238E27FC236}">
-                <a16:creationId xmlns:a16="http://schemas.microsoft.com/office/drawing/2014/main" xmlns="" id="{7CB4857B-ED7C-444D-9F04-2F885114A1C2}"/>
+                <a16:creationId xmlns:a16="http://schemas.microsoft.com/office/drawing/2014/main" id="{7CB4857B-ED7C-444D-9F04-2F885114A1C2}"/>
               </a:ext>
               <a:ext uri="{C183D7F6-B498-43B3-948B-1728B52AA6E4}">
-                <adec:decorative xmlns:adec="http://schemas.microsoft.com/office/drawing/2017/decorative" xmlns="" val="1"/>
+                <adec:decorative xmlns:adec="http://schemas.microsoft.com/office/drawing/2017/decorative" val="1"/>
               </a:ext>
             </a:extLst>
           </p:cNvPr>
@@ -3702,10 +3695,10 @@
           <p:cNvPr id="10" name="Freeform: Shape 9">
             <a:extLst>
               <a:ext uri="{FF2B5EF4-FFF2-40B4-BE49-F238E27FC236}">
-                <a16:creationId xmlns:a16="http://schemas.microsoft.com/office/drawing/2014/main" xmlns="" id="{D18046FB-44EA-4FD8-A585-EA09A319B2D0}"/>
+                <a16:creationId xmlns:a16="http://schemas.microsoft.com/office/drawing/2014/main" id="{D18046FB-44EA-4FD8-A585-EA09A319B2D0}"/>
               </a:ext>
               <a:ext uri="{C183D7F6-B498-43B3-948B-1728B52AA6E4}">
-                <adec:decorative xmlns:adec="http://schemas.microsoft.com/office/drawing/2017/decorative" xmlns="" val="1"/>
+                <adec:decorative xmlns:adec="http://schemas.microsoft.com/office/drawing/2017/decorative" val="1"/>
               </a:ext>
             </a:extLst>
           </p:cNvPr>
@@ -3964,10 +3957,10 @@
           <p:cNvPr id="12" name="Freeform: Shape 11">
             <a:extLst>
               <a:ext uri="{FF2B5EF4-FFF2-40B4-BE49-F238E27FC236}">
-                <a16:creationId xmlns:a16="http://schemas.microsoft.com/office/drawing/2014/main" xmlns="" id="{479F5F2B-8B58-4140-AE6A-51F6C67B18D9}"/>
+                <a16:creationId xmlns:a16="http://schemas.microsoft.com/office/drawing/2014/main" id="{479F5F2B-8B58-4140-AE6A-51F6C67B18D9}"/>
               </a:ext>
               <a:ext uri="{C183D7F6-B498-43B3-948B-1728B52AA6E4}">
-                <adec:decorative xmlns:adec="http://schemas.microsoft.com/office/drawing/2017/decorative" xmlns="" val="1"/>
+                <adec:decorative xmlns:adec="http://schemas.microsoft.com/office/drawing/2017/decorative" val="1"/>
               </a:ext>
             </a:extLst>
           </p:cNvPr>
@@ -4064,7 +4057,7 @@
           <p:cNvPr id="3" name="Content Placeholder 2">
             <a:extLst>
               <a:ext uri="{FF2B5EF4-FFF2-40B4-BE49-F238E27FC236}">
-                <a16:creationId xmlns:a16="http://schemas.microsoft.com/office/drawing/2014/main" xmlns="" id="{22F18F12-8D13-5F48-9B55-DCC90D0F2FAB}"/>
+                <a16:creationId xmlns:a16="http://schemas.microsoft.com/office/drawing/2014/main" id="{22F18F12-8D13-5F48-9B55-DCC90D0F2FAB}"/>
               </a:ext>
             </a:extLst>
           </p:cNvPr>
@@ -4193,13 +4186,6 @@
   <p:clrMapOvr>
     <a:masterClrMapping/>
   </p:clrMapOvr>
-  <p:timing>
-    <p:tnLst>
-      <p:par>
-        <p:cTn id="1" dur="indefinite" restart="never" nodeType="tmRoot"/>
-      </p:par>
-    </p:tnLst>
-  </p:timing>
 </p:sld>
 </file>
 
@@ -4233,7 +4219,7 @@
           <p:cNvPr id="2" name="Title 1">
             <a:extLst>
               <a:ext uri="{FF2B5EF4-FFF2-40B4-BE49-F238E27FC236}">
-                <a16:creationId xmlns:a16="http://schemas.microsoft.com/office/drawing/2014/main" xmlns="" id="{3AF0BBD4-8B0F-034D-899F-6C4898C276E8}"/>
+                <a16:creationId xmlns:a16="http://schemas.microsoft.com/office/drawing/2014/main" id="{3AF0BBD4-8B0F-034D-899F-6C4898C276E8}"/>
               </a:ext>
             </a:extLst>
           </p:cNvPr>
@@ -4268,10 +4254,10 @@
           <p:cNvPr id="8" name="Freeform: Shape 7">
             <a:extLst>
               <a:ext uri="{FF2B5EF4-FFF2-40B4-BE49-F238E27FC236}">
-                <a16:creationId xmlns:a16="http://schemas.microsoft.com/office/drawing/2014/main" xmlns="" id="{7CB4857B-ED7C-444D-9F04-2F885114A1C2}"/>
+                <a16:creationId xmlns:a16="http://schemas.microsoft.com/office/drawing/2014/main" id="{7CB4857B-ED7C-444D-9F04-2F885114A1C2}"/>
               </a:ext>
               <a:ext uri="{C183D7F6-B498-43B3-948B-1728B52AA6E4}">
-                <adec:decorative xmlns:adec="http://schemas.microsoft.com/office/drawing/2017/decorative" xmlns="" val="1"/>
+                <adec:decorative xmlns:adec="http://schemas.microsoft.com/office/drawing/2017/decorative" val="1"/>
               </a:ext>
             </a:extLst>
           </p:cNvPr>
@@ -4376,10 +4362,10 @@
           <p:cNvPr id="10" name="Freeform: Shape 9">
             <a:extLst>
               <a:ext uri="{FF2B5EF4-FFF2-40B4-BE49-F238E27FC236}">
-                <a16:creationId xmlns:a16="http://schemas.microsoft.com/office/drawing/2014/main" xmlns="" id="{D18046FB-44EA-4FD8-A585-EA09A319B2D0}"/>
+                <a16:creationId xmlns:a16="http://schemas.microsoft.com/office/drawing/2014/main" id="{D18046FB-44EA-4FD8-A585-EA09A319B2D0}"/>
               </a:ext>
               <a:ext uri="{C183D7F6-B498-43B3-948B-1728B52AA6E4}">
-                <adec:decorative xmlns:adec="http://schemas.microsoft.com/office/drawing/2017/decorative" xmlns="" val="1"/>
+                <adec:decorative xmlns:adec="http://schemas.microsoft.com/office/drawing/2017/decorative" val="1"/>
               </a:ext>
             </a:extLst>
           </p:cNvPr>
@@ -4638,10 +4624,10 @@
           <p:cNvPr id="12" name="Freeform: Shape 11">
             <a:extLst>
               <a:ext uri="{FF2B5EF4-FFF2-40B4-BE49-F238E27FC236}">
-                <a16:creationId xmlns:a16="http://schemas.microsoft.com/office/drawing/2014/main" xmlns="" id="{479F5F2B-8B58-4140-AE6A-51F6C67B18D9}"/>
+                <a16:creationId xmlns:a16="http://schemas.microsoft.com/office/drawing/2014/main" id="{479F5F2B-8B58-4140-AE6A-51F6C67B18D9}"/>
               </a:ext>
               <a:ext uri="{C183D7F6-B498-43B3-948B-1728B52AA6E4}">
-                <adec:decorative xmlns:adec="http://schemas.microsoft.com/office/drawing/2017/decorative" xmlns="" val="1"/>
+                <adec:decorative xmlns:adec="http://schemas.microsoft.com/office/drawing/2017/decorative" val="1"/>
               </a:ext>
             </a:extLst>
           </p:cNvPr>
@@ -4738,7 +4724,7 @@
           <p:cNvPr id="3" name="Content Placeholder 2">
             <a:extLst>
               <a:ext uri="{FF2B5EF4-FFF2-40B4-BE49-F238E27FC236}">
-                <a16:creationId xmlns:a16="http://schemas.microsoft.com/office/drawing/2014/main" xmlns="" id="{218224B1-E808-5E48-8B02-435B5618CC0C}"/>
+                <a16:creationId xmlns:a16="http://schemas.microsoft.com/office/drawing/2014/main" id="{218224B1-E808-5E48-8B02-435B5618CC0C}"/>
               </a:ext>
             </a:extLst>
           </p:cNvPr>
@@ -4824,13 +4810,6 @@
   <p:clrMapOvr>
     <a:masterClrMapping/>
   </p:clrMapOvr>
-  <p:timing>
-    <p:tnLst>
-      <p:par>
-        <p:cTn id="1" dur="indefinite" restart="never" nodeType="tmRoot"/>
-      </p:par>
-    </p:tnLst>
-  </p:timing>
 </p:sld>
 </file>
 
@@ -4864,7 +4843,7 @@
           <p:cNvPr id="2" name="Title 1">
             <a:extLst>
               <a:ext uri="{FF2B5EF4-FFF2-40B4-BE49-F238E27FC236}">
-                <a16:creationId xmlns:a16="http://schemas.microsoft.com/office/drawing/2014/main" xmlns="" id="{108F4143-B335-A545-919F-C1C6DFB49D23}"/>
+                <a16:creationId xmlns:a16="http://schemas.microsoft.com/office/drawing/2014/main" id="{108F4143-B335-A545-919F-C1C6DFB49D23}"/>
               </a:ext>
             </a:extLst>
           </p:cNvPr>
@@ -4899,10 +4878,10 @@
           <p:cNvPr id="8" name="Freeform: Shape 7">
             <a:extLst>
               <a:ext uri="{FF2B5EF4-FFF2-40B4-BE49-F238E27FC236}">
-                <a16:creationId xmlns:a16="http://schemas.microsoft.com/office/drawing/2014/main" xmlns="" id="{7CB4857B-ED7C-444D-9F04-2F885114A1C2}"/>
+                <a16:creationId xmlns:a16="http://schemas.microsoft.com/office/drawing/2014/main" id="{7CB4857B-ED7C-444D-9F04-2F885114A1C2}"/>
               </a:ext>
               <a:ext uri="{C183D7F6-B498-43B3-948B-1728B52AA6E4}">
-                <adec:decorative xmlns:adec="http://schemas.microsoft.com/office/drawing/2017/decorative" xmlns="" val="1"/>
+                <adec:decorative xmlns:adec="http://schemas.microsoft.com/office/drawing/2017/decorative" val="1"/>
               </a:ext>
             </a:extLst>
           </p:cNvPr>
@@ -5007,10 +4986,10 @@
           <p:cNvPr id="10" name="Freeform: Shape 9">
             <a:extLst>
               <a:ext uri="{FF2B5EF4-FFF2-40B4-BE49-F238E27FC236}">
-                <a16:creationId xmlns:a16="http://schemas.microsoft.com/office/drawing/2014/main" xmlns="" id="{D18046FB-44EA-4FD8-A585-EA09A319B2D0}"/>
+                <a16:creationId xmlns:a16="http://schemas.microsoft.com/office/drawing/2014/main" id="{D18046FB-44EA-4FD8-A585-EA09A319B2D0}"/>
               </a:ext>
               <a:ext uri="{C183D7F6-B498-43B3-948B-1728B52AA6E4}">
-                <adec:decorative xmlns:adec="http://schemas.microsoft.com/office/drawing/2017/decorative" xmlns="" val="1"/>
+                <adec:decorative xmlns:adec="http://schemas.microsoft.com/office/drawing/2017/decorative" val="1"/>
               </a:ext>
             </a:extLst>
           </p:cNvPr>
@@ -5269,10 +5248,10 @@
           <p:cNvPr id="12" name="Freeform: Shape 11">
             <a:extLst>
               <a:ext uri="{FF2B5EF4-FFF2-40B4-BE49-F238E27FC236}">
-                <a16:creationId xmlns:a16="http://schemas.microsoft.com/office/drawing/2014/main" xmlns="" id="{479F5F2B-8B58-4140-AE6A-51F6C67B18D9}"/>
+                <a16:creationId xmlns:a16="http://schemas.microsoft.com/office/drawing/2014/main" id="{479F5F2B-8B58-4140-AE6A-51F6C67B18D9}"/>
               </a:ext>
               <a:ext uri="{C183D7F6-B498-43B3-948B-1728B52AA6E4}">
-                <adec:decorative xmlns:adec="http://schemas.microsoft.com/office/drawing/2017/decorative" xmlns="" val="1"/>
+                <adec:decorative xmlns:adec="http://schemas.microsoft.com/office/drawing/2017/decorative" val="1"/>
               </a:ext>
             </a:extLst>
           </p:cNvPr>
@@ -5369,7 +5348,7 @@
           <p:cNvPr id="3" name="Content Placeholder 2">
             <a:extLst>
               <a:ext uri="{FF2B5EF4-FFF2-40B4-BE49-F238E27FC236}">
-                <a16:creationId xmlns:a16="http://schemas.microsoft.com/office/drawing/2014/main" xmlns="" id="{213D87DD-7380-7A43-8492-40412BCB4603}"/>
+                <a16:creationId xmlns:a16="http://schemas.microsoft.com/office/drawing/2014/main" id="{213D87DD-7380-7A43-8492-40412BCB4603}"/>
               </a:ext>
             </a:extLst>
           </p:cNvPr>
@@ -5427,13 +5406,6 @@
   <p:clrMapOvr>
     <a:masterClrMapping/>
   </p:clrMapOvr>
-  <p:timing>
-    <p:tnLst>
-      <p:par>
-        <p:cTn id="1" dur="indefinite" restart="never" nodeType="tmRoot"/>
-      </p:par>
-    </p:tnLst>
-  </p:timing>
 </p:sld>
 </file>
 
@@ -5467,7 +5439,7 @@
           <p:cNvPr id="2" name="Title 1">
             <a:extLst>
               <a:ext uri="{FF2B5EF4-FFF2-40B4-BE49-F238E27FC236}">
-                <a16:creationId xmlns:a16="http://schemas.microsoft.com/office/drawing/2014/main" xmlns="" id="{108F4143-B335-A545-919F-C1C6DFB49D23}"/>
+                <a16:creationId xmlns:a16="http://schemas.microsoft.com/office/drawing/2014/main" id="{108F4143-B335-A545-919F-C1C6DFB49D23}"/>
               </a:ext>
             </a:extLst>
           </p:cNvPr>
@@ -5502,10 +5474,10 @@
           <p:cNvPr id="8" name="Freeform: Shape 7">
             <a:extLst>
               <a:ext uri="{FF2B5EF4-FFF2-40B4-BE49-F238E27FC236}">
-                <a16:creationId xmlns:a16="http://schemas.microsoft.com/office/drawing/2014/main" xmlns="" id="{7CB4857B-ED7C-444D-9F04-2F885114A1C2}"/>
+                <a16:creationId xmlns:a16="http://schemas.microsoft.com/office/drawing/2014/main" id="{7CB4857B-ED7C-444D-9F04-2F885114A1C2}"/>
               </a:ext>
               <a:ext uri="{C183D7F6-B498-43B3-948B-1728B52AA6E4}">
-                <adec:decorative xmlns:adec="http://schemas.microsoft.com/office/drawing/2017/decorative" xmlns="" val="1"/>
+                <adec:decorative xmlns:adec="http://schemas.microsoft.com/office/drawing/2017/decorative" val="1"/>
               </a:ext>
             </a:extLst>
           </p:cNvPr>
@@ -5610,10 +5582,10 @@
           <p:cNvPr id="10" name="Freeform: Shape 9">
             <a:extLst>
               <a:ext uri="{FF2B5EF4-FFF2-40B4-BE49-F238E27FC236}">
-                <a16:creationId xmlns:a16="http://schemas.microsoft.com/office/drawing/2014/main" xmlns="" id="{D18046FB-44EA-4FD8-A585-EA09A319B2D0}"/>
+                <a16:creationId xmlns:a16="http://schemas.microsoft.com/office/drawing/2014/main" id="{D18046FB-44EA-4FD8-A585-EA09A319B2D0}"/>
               </a:ext>
               <a:ext uri="{C183D7F6-B498-43B3-948B-1728B52AA6E4}">
-                <adec:decorative xmlns:adec="http://schemas.microsoft.com/office/drawing/2017/decorative" xmlns="" val="1"/>
+                <adec:decorative xmlns:adec="http://schemas.microsoft.com/office/drawing/2017/decorative" val="1"/>
               </a:ext>
             </a:extLst>
           </p:cNvPr>
@@ -5872,10 +5844,10 @@
           <p:cNvPr id="12" name="Freeform: Shape 11">
             <a:extLst>
               <a:ext uri="{FF2B5EF4-FFF2-40B4-BE49-F238E27FC236}">
-                <a16:creationId xmlns:a16="http://schemas.microsoft.com/office/drawing/2014/main" xmlns="" id="{479F5F2B-8B58-4140-AE6A-51F6C67B18D9}"/>
+                <a16:creationId xmlns:a16="http://schemas.microsoft.com/office/drawing/2014/main" id="{479F5F2B-8B58-4140-AE6A-51F6C67B18D9}"/>
               </a:ext>
               <a:ext uri="{C183D7F6-B498-43B3-948B-1728B52AA6E4}">
-                <adec:decorative xmlns:adec="http://schemas.microsoft.com/office/drawing/2017/decorative" xmlns="" val="1"/>
+                <adec:decorative xmlns:adec="http://schemas.microsoft.com/office/drawing/2017/decorative" val="1"/>
               </a:ext>
             </a:extLst>
           </p:cNvPr>
@@ -5972,7 +5944,7 @@
           <p:cNvPr id="3" name="Content Placeholder 2">
             <a:extLst>
               <a:ext uri="{FF2B5EF4-FFF2-40B4-BE49-F238E27FC236}">
-                <a16:creationId xmlns:a16="http://schemas.microsoft.com/office/drawing/2014/main" xmlns="" id="{213D87DD-7380-7A43-8492-40412BCB4603}"/>
+                <a16:creationId xmlns:a16="http://schemas.microsoft.com/office/drawing/2014/main" id="{213D87DD-7380-7A43-8492-40412BCB4603}"/>
               </a:ext>
             </a:extLst>
           </p:cNvPr>
@@ -6027,13 +5999,6 @@
   <p:clrMapOvr>
     <a:masterClrMapping/>
   </p:clrMapOvr>
-  <p:timing>
-    <p:tnLst>
-      <p:par>
-        <p:cTn id="1" dur="indefinite" restart="never" nodeType="tmRoot"/>
-      </p:par>
-    </p:tnLst>
-  </p:timing>
 </p:sld>
 </file>
 
@@ -6067,7 +6032,7 @@
           <p:cNvPr id="2" name="Title 1">
             <a:extLst>
               <a:ext uri="{FF2B5EF4-FFF2-40B4-BE49-F238E27FC236}">
-                <a16:creationId xmlns:a16="http://schemas.microsoft.com/office/drawing/2014/main" xmlns="" id="{13758173-6603-3B4D-AF4D-E15D3A1A1241}"/>
+                <a16:creationId xmlns:a16="http://schemas.microsoft.com/office/drawing/2014/main" id="{13758173-6603-3B4D-AF4D-E15D3A1A1241}"/>
               </a:ext>
             </a:extLst>
           </p:cNvPr>
@@ -6103,10 +6068,10 @@
           <p:cNvPr id="8" name="Freeform: Shape 7">
             <a:extLst>
               <a:ext uri="{FF2B5EF4-FFF2-40B4-BE49-F238E27FC236}">
-                <a16:creationId xmlns:a16="http://schemas.microsoft.com/office/drawing/2014/main" xmlns="" id="{7CB4857B-ED7C-444D-9F04-2F885114A1C2}"/>
+                <a16:creationId xmlns:a16="http://schemas.microsoft.com/office/drawing/2014/main" id="{7CB4857B-ED7C-444D-9F04-2F885114A1C2}"/>
               </a:ext>
               <a:ext uri="{C183D7F6-B498-43B3-948B-1728B52AA6E4}">
-                <adec:decorative xmlns:adec="http://schemas.microsoft.com/office/drawing/2017/decorative" xmlns="" val="1"/>
+                <adec:decorative xmlns:adec="http://schemas.microsoft.com/office/drawing/2017/decorative" val="1"/>
               </a:ext>
             </a:extLst>
           </p:cNvPr>
@@ -6211,10 +6176,10 @@
           <p:cNvPr id="10" name="Freeform: Shape 9">
             <a:extLst>
               <a:ext uri="{FF2B5EF4-FFF2-40B4-BE49-F238E27FC236}">
-                <a16:creationId xmlns:a16="http://schemas.microsoft.com/office/drawing/2014/main" xmlns="" id="{D18046FB-44EA-4FD8-A585-EA09A319B2D0}"/>
+                <a16:creationId xmlns:a16="http://schemas.microsoft.com/office/drawing/2014/main" id="{D18046FB-44EA-4FD8-A585-EA09A319B2D0}"/>
               </a:ext>
               <a:ext uri="{C183D7F6-B498-43B3-948B-1728B52AA6E4}">
-                <adec:decorative xmlns:adec="http://schemas.microsoft.com/office/drawing/2017/decorative" xmlns="" val="1"/>
+                <adec:decorative xmlns:adec="http://schemas.microsoft.com/office/drawing/2017/decorative" val="1"/>
               </a:ext>
             </a:extLst>
           </p:cNvPr>
@@ -6473,10 +6438,10 @@
           <p:cNvPr id="12" name="Freeform: Shape 11">
             <a:extLst>
               <a:ext uri="{FF2B5EF4-FFF2-40B4-BE49-F238E27FC236}">
-                <a16:creationId xmlns:a16="http://schemas.microsoft.com/office/drawing/2014/main" xmlns="" id="{479F5F2B-8B58-4140-AE6A-51F6C67B18D9}"/>
+                <a16:creationId xmlns:a16="http://schemas.microsoft.com/office/drawing/2014/main" id="{479F5F2B-8B58-4140-AE6A-51F6C67B18D9}"/>
               </a:ext>
               <a:ext uri="{C183D7F6-B498-43B3-948B-1728B52AA6E4}">
-                <adec:decorative xmlns:adec="http://schemas.microsoft.com/office/drawing/2017/decorative" xmlns="" val="1"/>
+                <adec:decorative xmlns:adec="http://schemas.microsoft.com/office/drawing/2017/decorative" val="1"/>
               </a:ext>
             </a:extLst>
           </p:cNvPr>
@@ -6573,7 +6538,7 @@
           <p:cNvPr id="3" name="Content Placeholder 2">
             <a:extLst>
               <a:ext uri="{FF2B5EF4-FFF2-40B4-BE49-F238E27FC236}">
-                <a16:creationId xmlns:a16="http://schemas.microsoft.com/office/drawing/2014/main" xmlns="" id="{2D76299A-63E2-354A-8E15-D1AF441E642C}"/>
+                <a16:creationId xmlns:a16="http://schemas.microsoft.com/office/drawing/2014/main" id="{2D76299A-63E2-354A-8E15-D1AF441E642C}"/>
               </a:ext>
             </a:extLst>
           </p:cNvPr>
@@ -6592,7 +6557,7 @@
         </p:spPr>
         <p:txBody>
           <a:bodyPr anchor="t">
-            <a:normAutofit fontScale="70000" lnSpcReduction="20000"/>
+            <a:normAutofit fontScale="62500" lnSpcReduction="20000"/>
           </a:bodyPr>
           <a:lstStyle/>
           <a:p>
@@ -6601,7 +6566,7 @@
               <a:buAutoNum type="arabicPeriod"/>
             </a:pPr>
             <a:r>
-              <a:rPr lang="en-US" sz="2400" dirty="0" smtClean="0"/>
+              <a:rPr lang="en-US" sz="2400" dirty="0"/>
               <a:t>Late fusion of OPP and Water via View Aggregation (6 inputs to merge)</a:t>
             </a:r>
           </a:p>
@@ -6611,17 +6576,16 @@
               <a:buAutoNum type="arabicPeriod"/>
             </a:pPr>
             <a:r>
-              <a:rPr lang="en-US" sz="2000" dirty="0" smtClean="0"/>
+              <a:rPr lang="en-US" sz="2000" dirty="0"/>
               <a:t>If it looks promising, keep different contrasts. If not, proceed with OPP.</a:t>
             </a:r>
-            <a:endParaRPr lang="en-US" sz="2000" dirty="0" smtClean="0"/>
           </a:p>
           <a:p>
             <a:pPr marL="457200" indent="-457200">
               <a:buFont typeface="+mj-lt"/>
               <a:buAutoNum type="arabicPeriod"/>
             </a:pPr>
-            <a:endParaRPr lang="en-US" sz="2400" dirty="0" smtClean="0"/>
+            <a:endParaRPr lang="en-US" sz="2400" dirty="0"/>
           </a:p>
           <a:p>
             <a:pPr marL="457200" indent="-457200">
@@ -6629,18 +6593,9 @@
               <a:buAutoNum type="arabicPeriod"/>
             </a:pPr>
             <a:r>
-              <a:rPr lang="en-US" sz="2400" dirty="0" smtClean="0"/>
-              <a:t>Architecture (evaluate only on OPP</a:t>
-            </a:r>
-            <a:r>
               <a:rPr lang="en-US" sz="2400" dirty="0"/>
-              <a:t>, KORA, </a:t>
-            </a:r>
-            <a:r>
-              <a:rPr lang="en-US" sz="2400" dirty="0" smtClean="0"/>
-              <a:t>SAG)</a:t>
-            </a:r>
-            <a:endParaRPr lang="en-US" sz="2400" dirty="0"/>
+              <a:t>Architecture (evaluate only on OPP, KORA, AXI)</a:t>
+            </a:r>
           </a:p>
           <a:p>
             <a:pPr marL="914400" lvl="1" indent="-457200">
@@ -6648,16 +6603,32 @@
               <a:buAutoNum type="arabicPeriod"/>
             </a:pPr>
             <a:r>
-              <a:rPr lang="en-US" sz="2000" dirty="0" smtClean="0"/>
-              <a:t>Try </a:t>
-            </a:r>
-            <a:r>
               <a:rPr lang="en-US" sz="2000" dirty="0"/>
-              <a:t>CSSE Block with </a:t>
-            </a:r>
-            <a:r>
-              <a:rPr lang="en-US" sz="2000" dirty="0" err="1" smtClean="0"/>
+              <a:t>Try CSSE Block with </a:t>
+            </a:r>
+            <a:r>
+              <a:rPr lang="en-US" sz="2000" dirty="0" err="1"/>
               <a:t>QuickNat</a:t>
+            </a:r>
+            <a:r>
+              <a:rPr lang="en-US" sz="2000" dirty="0"/>
+              <a:t>. -- </a:t>
+            </a:r>
+            <a:r>
+              <a:rPr lang="en-US" sz="2000" dirty="0" err="1"/>
+              <a:t>Imporved</a:t>
+            </a:r>
+            <a:r>
+              <a:rPr lang="en-US" sz="2000" dirty="0"/>
+              <a:t> on 2channel </a:t>
+            </a:r>
+            <a:r>
+              <a:rPr lang="en-US" sz="2000" dirty="0" err="1"/>
+              <a:t>csse</a:t>
+            </a:r>
+            <a:r>
+              <a:rPr lang="en-US" sz="2000"/>
+              <a:t> axial</a:t>
             </a:r>
             <a:endParaRPr lang="en-US" sz="2400" dirty="0"/>
           </a:p>
@@ -6694,7 +6665,6 @@
               <a:rPr lang="en-US" sz="2000" dirty="0"/>
               <a:t> code) </a:t>
             </a:r>
-            <a:endParaRPr lang="en-US" sz="2000" dirty="0" smtClean="0"/>
           </a:p>
           <a:p>
             <a:pPr marL="914400" lvl="1" indent="-457200">
@@ -6702,15 +6672,15 @@
               <a:buAutoNum type="arabicPeriod"/>
             </a:pPr>
             <a:r>
-              <a:rPr lang="en-US" sz="2000" dirty="0" smtClean="0"/>
+              <a:rPr lang="en-US" sz="2000" dirty="0"/>
               <a:t>Thick slices (see </a:t>
             </a:r>
             <a:r>
-              <a:rPr lang="en-US" sz="2000" dirty="0" err="1" smtClean="0"/>
+              <a:rPr lang="en-US" sz="2000" dirty="0" err="1"/>
               <a:t>FastSurfer</a:t>
             </a:r>
             <a:r>
-              <a:rPr lang="en-US" sz="2000" dirty="0" smtClean="0"/>
+              <a:rPr lang="en-US" sz="2000" dirty="0"/>
               <a:t> code) </a:t>
             </a:r>
             <a:endParaRPr lang="en-US" sz="2400" dirty="0"/>
@@ -6722,11 +6692,7 @@
             </a:pPr>
             <a:r>
               <a:rPr lang="en-US" sz="2400" dirty="0"/>
-              <a:t>Data Augmentation, if necessary</a:t>
-            </a:r>
-            <a:r>
-              <a:rPr lang="en-US" sz="2400" dirty="0" smtClean="0"/>
-              <a:t>.</a:t>
+              <a:t>Data Augmentation, if necessary.</a:t>
             </a:r>
           </a:p>
           <a:p>
@@ -6735,37 +6701,36 @@
               <a:buAutoNum type="arabicPeriod"/>
             </a:pPr>
             <a:r>
-              <a:rPr lang="en-US" sz="2000" dirty="0" err="1" smtClean="0"/>
+              <a:rPr lang="en-US" sz="2000" dirty="0" err="1"/>
               <a:t>PyTorch</a:t>
             </a:r>
             <a:r>
-              <a:rPr lang="en-US" sz="2000" dirty="0" smtClean="0"/>
+              <a:rPr lang="en-US" sz="2000" dirty="0"/>
               <a:t> </a:t>
             </a:r>
             <a:r>
-              <a:rPr lang="en-US" sz="2000" dirty="0" err="1" smtClean="0"/>
+              <a:rPr lang="en-US" sz="2000" dirty="0" err="1"/>
               <a:t>Dataloader</a:t>
             </a:r>
             <a:r>
-              <a:rPr lang="en-US" sz="2000" dirty="0" smtClean="0"/>
+              <a:rPr lang="en-US" sz="2000" dirty="0"/>
               <a:t> (see </a:t>
             </a:r>
             <a:r>
-              <a:rPr lang="en-US" sz="2000" dirty="0" err="1" smtClean="0"/>
+              <a:rPr lang="en-US" sz="2000" dirty="0" err="1"/>
               <a:t>FastSurfer</a:t>
             </a:r>
             <a:r>
-              <a:rPr lang="en-US" sz="2000" dirty="0" smtClean="0"/>
+              <a:rPr lang="en-US" sz="2000" dirty="0"/>
               <a:t>)</a:t>
             </a:r>
-            <a:endParaRPr lang="en-US" sz="2000" dirty="0"/>
           </a:p>
           <a:p>
             <a:pPr marL="914400" lvl="1" indent="-457200">
               <a:buFont typeface="+mj-lt"/>
               <a:buAutoNum type="arabicPeriod"/>
             </a:pPr>
-            <a:endParaRPr lang="en-US" sz="2000" dirty="0" smtClean="0"/>
+            <a:endParaRPr lang="en-US" sz="2000" dirty="0"/>
           </a:p>
           <a:p>
             <a:pPr marL="457200" indent="-457200">
@@ -6773,7 +6738,7 @@
               <a:buAutoNum type="arabicPeriod"/>
             </a:pPr>
             <a:r>
-              <a:rPr lang="en-US" sz="2400" dirty="0" smtClean="0"/>
+              <a:rPr lang="en-US" sz="2400" dirty="0"/>
               <a:t>Datasets </a:t>
             </a:r>
           </a:p>
@@ -6783,12 +6748,8 @@
               <a:buAutoNum type="arabicPeriod"/>
             </a:pPr>
             <a:r>
-              <a:rPr lang="en-US" sz="2000" dirty="0" smtClean="0"/>
-              <a:t>Harmonize data between datasets? Location? Cropping region? </a:t>
-            </a:r>
-            <a:r>
-              <a:rPr lang="en-US" sz="2000" smtClean="0"/>
-              <a:t>Intensity normalization</a:t>
+              <a:rPr lang="en-US" sz="2000" dirty="0"/>
+              <a:t>Harmonize data between datasets? Location? Cropping region? Intensity normalization</a:t>
             </a:r>
           </a:p>
           <a:p>
@@ -6797,7 +6758,7 @@
               <a:buAutoNum type="arabicPeriod"/>
             </a:pPr>
             <a:r>
-              <a:rPr lang="en-US" sz="2000" dirty="0" smtClean="0"/>
+              <a:rPr lang="en-US" sz="2000" dirty="0"/>
               <a:t>Separate models per dataset</a:t>
             </a:r>
           </a:p>
@@ -6807,7 +6768,7 @@
               <a:buAutoNum type="arabicPeriod"/>
             </a:pPr>
             <a:r>
-              <a:rPr lang="en-US" sz="2000" dirty="0" smtClean="0"/>
+              <a:rPr lang="en-US" sz="2000" dirty="0"/>
               <a:t>Combine all datasets </a:t>
             </a:r>
           </a:p>
@@ -6881,10 +6842,10 @@
           <p:cNvPr id="10" name="Rectangle 9">
             <a:extLst>
               <a:ext uri="{FF2B5EF4-FFF2-40B4-BE49-F238E27FC236}">
-                <a16:creationId xmlns:a16="http://schemas.microsoft.com/office/drawing/2014/main" xmlns="" id="{AFA67CD3-AB4E-4A7A-BEB8-53C445D8C44E}"/>
+                <a16:creationId xmlns:a16="http://schemas.microsoft.com/office/drawing/2014/main" id="{AFA67CD3-AB4E-4A7A-BEB8-53C445D8C44E}"/>
               </a:ext>
               <a:ext uri="{C183D7F6-B498-43B3-948B-1728B52AA6E4}">
-                <adec:decorative xmlns:adec="http://schemas.microsoft.com/office/drawing/2017/decorative" xmlns="" val="1"/>
+                <adec:decorative xmlns:adec="http://schemas.microsoft.com/office/drawing/2017/decorative" val="1"/>
               </a:ext>
             </a:extLst>
           </p:cNvPr>
@@ -6967,10 +6928,10 @@
           <p:cNvPr id="12" name="Picture 11">
             <a:extLst>
               <a:ext uri="{FF2B5EF4-FFF2-40B4-BE49-F238E27FC236}">
-                <a16:creationId xmlns:a16="http://schemas.microsoft.com/office/drawing/2014/main" xmlns="" id="{07CF545F-9C2E-4446-97CD-AD92990C2B68}"/>
+                <a16:creationId xmlns:a16="http://schemas.microsoft.com/office/drawing/2014/main" id="{07CF545F-9C2E-4446-97CD-AD92990C2B68}"/>
               </a:ext>
               <a:ext uri="{C183D7F6-B498-43B3-948B-1728B52AA6E4}">
-                <adec:decorative xmlns:adec="http://schemas.microsoft.com/office/drawing/2017/decorative" xmlns="" val="1"/>
+                <adec:decorative xmlns:adec="http://schemas.microsoft.com/office/drawing/2017/decorative" val="1"/>
               </a:ext>
             </a:extLst>
           </p:cNvPr>
@@ -7012,10 +6973,10 @@
           <p:cNvPr id="14" name="Freeform 62">
             <a:extLst>
               <a:ext uri="{FF2B5EF4-FFF2-40B4-BE49-F238E27FC236}">
-                <a16:creationId xmlns:a16="http://schemas.microsoft.com/office/drawing/2014/main" xmlns="" id="{339C8D78-A644-462F-B674-F440635E5353}"/>
+                <a16:creationId xmlns:a16="http://schemas.microsoft.com/office/drawing/2014/main" id="{339C8D78-A644-462F-B674-F440635E5353}"/>
               </a:ext>
               <a:ext uri="{C183D7F6-B498-43B3-948B-1728B52AA6E4}">
-                <adec:decorative xmlns:adec="http://schemas.microsoft.com/office/drawing/2017/decorative" xmlns="" val="1"/>
+                <adec:decorative xmlns:adec="http://schemas.microsoft.com/office/drawing/2017/decorative" val="1"/>
               </a:ext>
             </a:extLst>
           </p:cNvPr>
@@ -7186,7 +7147,7 @@
           <p:cNvPr id="7" name="Graphic 6" descr="Smiling Face with No Fill">
             <a:extLst>
               <a:ext uri="{FF2B5EF4-FFF2-40B4-BE49-F238E27FC236}">
-                <a16:creationId xmlns:a16="http://schemas.microsoft.com/office/drawing/2014/main" xmlns="" id="{F368357B-27D0-410A-B039-15A952BFEB19}"/>
+                <a16:creationId xmlns:a16="http://schemas.microsoft.com/office/drawing/2014/main" id="{F368357B-27D0-410A-B039-15A952BFEB19}"/>
               </a:ext>
             </a:extLst>
           </p:cNvPr>
@@ -7202,7 +7163,7 @@
                 <a14:useLocalDpi xmlns:a14="http://schemas.microsoft.com/office/drawing/2010/main" val="0"/>
               </a:ext>
               <a:ext uri="{96DAC541-7B7A-43D3-8B79-37D633B846F1}">
-                <asvg:svgBlip xmlns:asvg="http://schemas.microsoft.com/office/drawing/2016/SVG/main" xmlns="" r:embed="rId4"/>
+                <asvg:svgBlip xmlns:asvg="http://schemas.microsoft.com/office/drawing/2016/SVG/main" r:embed="rId4"/>
               </a:ext>
             </a:extLst>
           </a:blip>
@@ -7225,7 +7186,7 @@
           <p:cNvPr id="3" name="Content Placeholder 2">
             <a:extLst>
               <a:ext uri="{FF2B5EF4-FFF2-40B4-BE49-F238E27FC236}">
-                <a16:creationId xmlns:a16="http://schemas.microsoft.com/office/drawing/2014/main" xmlns="" id="{C7BD7132-6D36-CA45-BED3-69561B58B130}"/>
+                <a16:creationId xmlns:a16="http://schemas.microsoft.com/office/drawing/2014/main" id="{C7BD7132-6D36-CA45-BED3-69561B58B130}"/>
               </a:ext>
             </a:extLst>
           </p:cNvPr>
